--- a/Mechanical/Schemenskizzen/Powerpoint/Kettenglied.pptx
+++ b/Mechanical/Schemenskizzen/Powerpoint/Kettenglied.pptx
@@ -104,6 +104,11 @@
       </a:defRPr>
     </a:lvl9pPr>
   </p:defaultTextStyle>
+  <p:extLst>
+    <p:ext uri="{EFAFB233-063F-42B5-8137-9DF3F51BA10A}">
+      <p15:sldGuideLst xmlns:p15="http://schemas.microsoft.com/office/powerpoint/2012/main"/>
+    </p:ext>
+  </p:extLst>
 </p:presentation>
 </file>
 
@@ -256,7 +261,7 @@
           <a:p>
             <a:fld id="{1F58DC40-1B51-4FD6-8949-411DA64E66FB}" type="datetimeFigureOut">
               <a:rPr lang="de-AT" smtClean="0"/>
-              <a:t>08.02.2018</a:t>
+              <a:t>18.02.2018</a:t>
             </a:fld>
             <a:endParaRPr lang="de-AT"/>
           </a:p>
@@ -456,7 +461,7 @@
           <a:p>
             <a:fld id="{1F58DC40-1B51-4FD6-8949-411DA64E66FB}" type="datetimeFigureOut">
               <a:rPr lang="de-AT" smtClean="0"/>
-              <a:t>08.02.2018</a:t>
+              <a:t>18.02.2018</a:t>
             </a:fld>
             <a:endParaRPr lang="de-AT"/>
           </a:p>
@@ -666,7 +671,7 @@
           <a:p>
             <a:fld id="{1F58DC40-1B51-4FD6-8949-411DA64E66FB}" type="datetimeFigureOut">
               <a:rPr lang="de-AT" smtClean="0"/>
-              <a:t>08.02.2018</a:t>
+              <a:t>18.02.2018</a:t>
             </a:fld>
             <a:endParaRPr lang="de-AT"/>
           </a:p>
@@ -866,7 +871,7 @@
           <a:p>
             <a:fld id="{1F58DC40-1B51-4FD6-8949-411DA64E66FB}" type="datetimeFigureOut">
               <a:rPr lang="de-AT" smtClean="0"/>
-              <a:t>08.02.2018</a:t>
+              <a:t>18.02.2018</a:t>
             </a:fld>
             <a:endParaRPr lang="de-AT"/>
           </a:p>
@@ -1142,7 +1147,7 @@
           <a:p>
             <a:fld id="{1F58DC40-1B51-4FD6-8949-411DA64E66FB}" type="datetimeFigureOut">
               <a:rPr lang="de-AT" smtClean="0"/>
-              <a:t>08.02.2018</a:t>
+              <a:t>18.02.2018</a:t>
             </a:fld>
             <a:endParaRPr lang="de-AT"/>
           </a:p>
@@ -1410,7 +1415,7 @@
           <a:p>
             <a:fld id="{1F58DC40-1B51-4FD6-8949-411DA64E66FB}" type="datetimeFigureOut">
               <a:rPr lang="de-AT" smtClean="0"/>
-              <a:t>08.02.2018</a:t>
+              <a:t>18.02.2018</a:t>
             </a:fld>
             <a:endParaRPr lang="de-AT"/>
           </a:p>
@@ -1825,7 +1830,7 @@
           <a:p>
             <a:fld id="{1F58DC40-1B51-4FD6-8949-411DA64E66FB}" type="datetimeFigureOut">
               <a:rPr lang="de-AT" smtClean="0"/>
-              <a:t>08.02.2018</a:t>
+              <a:t>18.02.2018</a:t>
             </a:fld>
             <a:endParaRPr lang="de-AT"/>
           </a:p>
@@ -1967,7 +1972,7 @@
           <a:p>
             <a:fld id="{1F58DC40-1B51-4FD6-8949-411DA64E66FB}" type="datetimeFigureOut">
               <a:rPr lang="de-AT" smtClean="0"/>
-              <a:t>08.02.2018</a:t>
+              <a:t>18.02.2018</a:t>
             </a:fld>
             <a:endParaRPr lang="de-AT"/>
           </a:p>
@@ -2080,7 +2085,7 @@
           <a:p>
             <a:fld id="{1F58DC40-1B51-4FD6-8949-411DA64E66FB}" type="datetimeFigureOut">
               <a:rPr lang="de-AT" smtClean="0"/>
-              <a:t>08.02.2018</a:t>
+              <a:t>18.02.2018</a:t>
             </a:fld>
             <a:endParaRPr lang="de-AT"/>
           </a:p>
@@ -2393,7 +2398,7 @@
           <a:p>
             <a:fld id="{1F58DC40-1B51-4FD6-8949-411DA64E66FB}" type="datetimeFigureOut">
               <a:rPr lang="de-AT" smtClean="0"/>
-              <a:t>08.02.2018</a:t>
+              <a:t>18.02.2018</a:t>
             </a:fld>
             <a:endParaRPr lang="de-AT"/>
           </a:p>
@@ -2682,7 +2687,7 @@
           <a:p>
             <a:fld id="{1F58DC40-1B51-4FD6-8949-411DA64E66FB}" type="datetimeFigureOut">
               <a:rPr lang="de-AT" smtClean="0"/>
-              <a:t>08.02.2018</a:t>
+              <a:t>18.02.2018</a:t>
             </a:fld>
             <a:endParaRPr lang="de-AT"/>
           </a:p>
@@ -2925,7 +2930,7 @@
           <a:p>
             <a:fld id="{1F58DC40-1B51-4FD6-8949-411DA64E66FB}" type="datetimeFigureOut">
               <a:rPr lang="de-AT" smtClean="0"/>
-              <a:t>08.02.2018</a:t>
+              <a:t>18.02.2018</a:t>
             </a:fld>
             <a:endParaRPr lang="de-AT"/>
           </a:p>
@@ -3344,10 +3349,10 @@
       </p:grpSpPr>
       <p:grpSp>
         <p:nvGrpSpPr>
-          <p:cNvPr id="47" name="Gruppieren 46">
-            <a:extLst>
-              <a:ext uri="{FF2B5EF4-FFF2-40B4-BE49-F238E27FC236}">
-                <a16:creationId xmlns:a16="http://schemas.microsoft.com/office/drawing/2014/main" id="{929425DA-16A5-4CBA-AD73-7E83740CCE35}"/>
+          <p:cNvPr id="3" name="Gruppieren 2">
+            <a:extLst>
+              <a:ext uri="{FF2B5EF4-FFF2-40B4-BE49-F238E27FC236}">
+                <a16:creationId xmlns:a16="http://schemas.microsoft.com/office/drawing/2014/main" id="{F2187FDD-8564-4ADA-96D2-E1FA99C4ADE0}"/>
               </a:ext>
             </a:extLst>
           </p:cNvPr>
@@ -3356,10 +3361,10 @@
         </p:nvGrpSpPr>
         <p:grpSpPr>
           <a:xfrm>
-            <a:off x="4602581" y="1424506"/>
-            <a:ext cx="2544417" cy="3569524"/>
-            <a:chOff x="4532243" y="397565"/>
-            <a:chExt cx="2544417" cy="3569524"/>
+            <a:off x="4600648" y="2884190"/>
+            <a:ext cx="2544417" cy="2259496"/>
+            <a:chOff x="4602581" y="1424506"/>
+            <a:chExt cx="2544417" cy="2259496"/>
           </a:xfrm>
         </p:grpSpPr>
         <p:sp>
@@ -3376,7 +3381,7 @@
           </p:nvSpPr>
           <p:spPr>
             <a:xfrm>
-              <a:off x="4532243" y="397565"/>
+              <a:off x="4602581" y="1424506"/>
               <a:ext cx="2544417" cy="901148"/>
             </a:xfrm>
             <a:prstGeom prst="rect">
@@ -3428,7 +3433,7 @@
           </p:nvSpPr>
           <p:spPr>
             <a:xfrm>
-              <a:off x="4532243" y="1755913"/>
+              <a:off x="4602581" y="2782854"/>
               <a:ext cx="2544417" cy="901148"/>
             </a:xfrm>
             <a:prstGeom prst="rect">
@@ -3480,7 +3485,7 @@
           </p:nvSpPr>
           <p:spPr>
             <a:xfrm>
-              <a:off x="6334539" y="1298713"/>
+              <a:off x="6404877" y="2325654"/>
               <a:ext cx="344557" cy="457200"/>
             </a:xfrm>
             <a:prstGeom prst="rect">
@@ -3532,7 +3537,7 @@
           </p:nvSpPr>
           <p:spPr>
             <a:xfrm>
-              <a:off x="4929809" y="1298713"/>
+              <a:off x="5000147" y="2325654"/>
               <a:ext cx="344557" cy="457200"/>
             </a:xfrm>
             <a:prstGeom prst="rect">
@@ -3584,7 +3589,7 @@
           </p:nvSpPr>
           <p:spPr>
             <a:xfrm>
-              <a:off x="4929809" y="675862"/>
+              <a:off x="5000147" y="1702803"/>
               <a:ext cx="344557" cy="331304"/>
             </a:xfrm>
             <a:prstGeom prst="ellipse">
@@ -3633,7 +3638,7 @@
           </p:nvSpPr>
           <p:spPr>
             <a:xfrm>
-              <a:off x="6334540" y="675862"/>
+              <a:off x="6404878" y="1702803"/>
               <a:ext cx="344557" cy="331304"/>
             </a:xfrm>
             <a:prstGeom prst="ellipse">
@@ -3682,7 +3687,7 @@
           </p:nvSpPr>
           <p:spPr>
             <a:xfrm>
-              <a:off x="4956313" y="2047461"/>
+              <a:off x="5026651" y="3074402"/>
               <a:ext cx="344557" cy="331304"/>
             </a:xfrm>
             <a:prstGeom prst="ellipse">
@@ -3731,7 +3736,7 @@
           </p:nvSpPr>
           <p:spPr>
             <a:xfrm>
-              <a:off x="6334539" y="2034208"/>
+              <a:off x="6404877" y="3061149"/>
               <a:ext cx="344557" cy="331304"/>
             </a:xfrm>
             <a:prstGeom prst="ellipse">
@@ -3739,58 +3744,6 @@
             </a:prstGeom>
             <a:solidFill>
               <a:schemeClr val="bg1"/>
-            </a:solidFill>
-          </p:spPr>
-          <p:style>
-            <a:lnRef idx="2">
-              <a:schemeClr val="accent1">
-                <a:shade val="50000"/>
-              </a:schemeClr>
-            </a:lnRef>
-            <a:fillRef idx="1">
-              <a:schemeClr val="accent1"/>
-            </a:fillRef>
-            <a:effectRef idx="0">
-              <a:schemeClr val="accent1"/>
-            </a:effectRef>
-            <a:fontRef idx="minor">
-              <a:schemeClr val="lt1"/>
-            </a:fontRef>
-          </p:style>
-          <p:txBody>
-            <a:bodyPr rtlCol="0" anchor="ctr"/>
-            <a:lstStyle/>
-            <a:p>
-              <a:pPr algn="ctr"/>
-              <a:endParaRPr lang="de-AT"/>
-            </a:p>
-          </p:txBody>
-        </p:sp>
-        <p:sp>
-          <p:nvSpPr>
-            <p:cNvPr id="15" name="Rechteck 14">
-              <a:extLst>
-                <a:ext uri="{FF2B5EF4-FFF2-40B4-BE49-F238E27FC236}">
-                  <a16:creationId xmlns:a16="http://schemas.microsoft.com/office/drawing/2014/main" id="{B3A65785-7CFD-470F-986D-3BFE0B94574C}"/>
-                </a:ext>
-              </a:extLst>
-            </p:cNvPr>
-            <p:cNvSpPr/>
-            <p:nvPr/>
-          </p:nvSpPr>
-          <p:spPr>
-            <a:xfrm>
-              <a:off x="4532243" y="3061252"/>
-              <a:ext cx="2544417" cy="185531"/>
-            </a:xfrm>
-            <a:prstGeom prst="rect">
-              <a:avLst/>
-            </a:prstGeom>
-            <a:solidFill>
-              <a:schemeClr val="accent1">
-                <a:lumMod val="40000"/>
-                <a:lumOff val="60000"/>
-              </a:schemeClr>
             </a:solidFill>
           </p:spPr>
           <p:style>
@@ -3834,7 +3787,7 @@
           </p:nvCxnSpPr>
           <p:spPr>
             <a:xfrm>
-              <a:off x="5095461" y="549966"/>
+              <a:off x="5165799" y="1576907"/>
               <a:ext cx="0" cy="629479"/>
             </a:xfrm>
             <a:prstGeom prst="line">
@@ -3881,7 +3834,7 @@
           </p:nvCxnSpPr>
           <p:spPr>
             <a:xfrm>
-              <a:off x="6506817" y="549966"/>
+              <a:off x="6577155" y="1576907"/>
               <a:ext cx="0" cy="629479"/>
             </a:xfrm>
             <a:prstGeom prst="line">
@@ -3928,7 +3881,7 @@
           </p:nvCxnSpPr>
           <p:spPr>
             <a:xfrm>
-              <a:off x="5128591" y="1941442"/>
+              <a:off x="5198929" y="2968383"/>
               <a:ext cx="0" cy="629479"/>
             </a:xfrm>
             <a:prstGeom prst="line">
@@ -3975,7 +3928,7 @@
           </p:nvCxnSpPr>
           <p:spPr>
             <a:xfrm>
-              <a:off x="6506817" y="1954694"/>
+              <a:off x="6577155" y="2981635"/>
               <a:ext cx="0" cy="629479"/>
             </a:xfrm>
             <a:prstGeom prst="line">
@@ -4022,7 +3975,7 @@
           </p:nvCxnSpPr>
           <p:spPr>
             <a:xfrm>
-              <a:off x="6228522" y="2213113"/>
+              <a:off x="6298860" y="3240054"/>
               <a:ext cx="556590" cy="0"/>
             </a:xfrm>
             <a:prstGeom prst="line">
@@ -4069,7 +4022,7 @@
           </p:nvCxnSpPr>
           <p:spPr>
             <a:xfrm>
-              <a:off x="4850296" y="841514"/>
+              <a:off x="4920634" y="1868455"/>
               <a:ext cx="556590" cy="0"/>
             </a:xfrm>
             <a:prstGeom prst="line">
@@ -4116,7 +4069,7 @@
           </p:nvCxnSpPr>
           <p:spPr>
             <a:xfrm>
-              <a:off x="4883426" y="2206487"/>
+              <a:off x="4953764" y="3233428"/>
               <a:ext cx="556590" cy="0"/>
             </a:xfrm>
             <a:prstGeom prst="line">
@@ -4163,7 +4116,7 @@
           </p:nvCxnSpPr>
           <p:spPr>
             <a:xfrm>
-              <a:off x="6228522" y="851453"/>
+              <a:off x="6298860" y="1878394"/>
               <a:ext cx="556590" cy="0"/>
             </a:xfrm>
             <a:prstGeom prst="line">
@@ -4194,6 +4147,79 @@
             </a:fontRef>
           </p:style>
         </p:cxnSp>
+      </p:grpSp>
+      <p:grpSp>
+        <p:nvGrpSpPr>
+          <p:cNvPr id="2" name="Gruppieren 1">
+            <a:extLst>
+              <a:ext uri="{FF2B5EF4-FFF2-40B4-BE49-F238E27FC236}">
+                <a16:creationId xmlns:a16="http://schemas.microsoft.com/office/drawing/2014/main" id="{C10EE3A6-FB19-49A3-B691-47038F928D4C}"/>
+              </a:ext>
+            </a:extLst>
+          </p:cNvPr>
+          <p:cNvGrpSpPr/>
+          <p:nvPr/>
+        </p:nvGrpSpPr>
+        <p:grpSpPr>
+          <a:xfrm>
+            <a:off x="4600647" y="1411825"/>
+            <a:ext cx="2544417" cy="1167568"/>
+            <a:chOff x="4602581" y="3826462"/>
+            <a:chExt cx="2544417" cy="1167568"/>
+          </a:xfrm>
+        </p:grpSpPr>
+        <p:sp>
+          <p:nvSpPr>
+            <p:cNvPr id="15" name="Rechteck 14">
+              <a:extLst>
+                <a:ext uri="{FF2B5EF4-FFF2-40B4-BE49-F238E27FC236}">
+                  <a16:creationId xmlns:a16="http://schemas.microsoft.com/office/drawing/2014/main" id="{B3A65785-7CFD-470F-986D-3BFE0B94574C}"/>
+                </a:ext>
+              </a:extLst>
+            </p:cNvPr>
+            <p:cNvSpPr/>
+            <p:nvPr/>
+          </p:nvSpPr>
+          <p:spPr>
+            <a:xfrm>
+              <a:off x="4602581" y="4088193"/>
+              <a:ext cx="2544417" cy="185531"/>
+            </a:xfrm>
+            <a:prstGeom prst="rect">
+              <a:avLst/>
+            </a:prstGeom>
+            <a:solidFill>
+              <a:schemeClr val="accent1">
+                <a:lumMod val="40000"/>
+                <a:lumOff val="60000"/>
+              </a:schemeClr>
+            </a:solidFill>
+          </p:spPr>
+          <p:style>
+            <a:lnRef idx="2">
+              <a:schemeClr val="accent1">
+                <a:shade val="50000"/>
+              </a:schemeClr>
+            </a:lnRef>
+            <a:fillRef idx="1">
+              <a:schemeClr val="accent1"/>
+            </a:fillRef>
+            <a:effectRef idx="0">
+              <a:schemeClr val="accent1"/>
+            </a:effectRef>
+            <a:fontRef idx="minor">
+              <a:schemeClr val="lt1"/>
+            </a:fontRef>
+          </p:style>
+          <p:txBody>
+            <a:bodyPr rtlCol="0" anchor="ctr"/>
+            <a:lstStyle/>
+            <a:p>
+              <a:pPr algn="ctr"/>
+              <a:endParaRPr lang="de-AT"/>
+            </a:p>
+          </p:txBody>
+        </p:sp>
         <p:cxnSp>
           <p:nvCxnSpPr>
             <p:cNvPr id="29" name="Gerader Verbinder 28">
@@ -4210,7 +4236,7 @@
           </p:nvCxnSpPr>
           <p:spPr>
             <a:xfrm>
-              <a:off x="5121965" y="2799521"/>
+              <a:off x="5192303" y="3826462"/>
               <a:ext cx="0" cy="629479"/>
             </a:xfrm>
             <a:prstGeom prst="line">
@@ -4257,7 +4283,7 @@
           </p:nvCxnSpPr>
           <p:spPr>
             <a:xfrm>
-              <a:off x="6506817" y="2799521"/>
+              <a:off x="6577155" y="3826462"/>
               <a:ext cx="0" cy="629479"/>
             </a:xfrm>
             <a:prstGeom prst="line">
@@ -4302,7 +4328,7 @@
           </p:nvSpPr>
           <p:spPr>
             <a:xfrm>
-              <a:off x="4532243" y="3246783"/>
+              <a:off x="4602581" y="4273724"/>
               <a:ext cx="2544417" cy="720306"/>
             </a:xfrm>
             <a:prstGeom prst="rect">
@@ -4354,7 +4380,7 @@
           </p:nvSpPr>
           <p:spPr>
             <a:xfrm>
-              <a:off x="4956313" y="3397346"/>
+              <a:off x="5026651" y="4424287"/>
               <a:ext cx="344557" cy="344557"/>
             </a:xfrm>
             <a:prstGeom prst="ellipse">
@@ -4406,7 +4432,7 @@
           </p:nvSpPr>
           <p:spPr>
             <a:xfrm>
-              <a:off x="6334538" y="3397346"/>
+              <a:off x="6404876" y="4424287"/>
               <a:ext cx="344557" cy="344557"/>
             </a:xfrm>
             <a:prstGeom prst="ellipse">
@@ -4460,7 +4486,7 @@
           </p:nvCxnSpPr>
           <p:spPr>
             <a:xfrm>
-              <a:off x="4850296" y="3569624"/>
+              <a:off x="4920634" y="4596565"/>
               <a:ext cx="556590" cy="0"/>
             </a:xfrm>
             <a:prstGeom prst="line">
@@ -4507,7 +4533,7 @@
           </p:nvCxnSpPr>
           <p:spPr>
             <a:xfrm>
-              <a:off x="6408342" y="3967089"/>
+              <a:off x="6478680" y="4994030"/>
               <a:ext cx="556590" cy="0"/>
             </a:xfrm>
             <a:prstGeom prst="line">
@@ -4554,7 +4580,7 @@
           </p:nvCxnSpPr>
           <p:spPr>
             <a:xfrm>
-              <a:off x="6506816" y="3246783"/>
+              <a:off x="6577154" y="4273724"/>
               <a:ext cx="0" cy="633455"/>
             </a:xfrm>
             <a:prstGeom prst="line">
@@ -4601,7 +4627,7 @@
           </p:nvCxnSpPr>
           <p:spPr>
             <a:xfrm>
-              <a:off x="5128591" y="3295304"/>
+              <a:off x="5198929" y="4322245"/>
               <a:ext cx="0" cy="629479"/>
             </a:xfrm>
             <a:prstGeom prst="line">
@@ -4648,7 +4674,7 @@
           </p:nvCxnSpPr>
           <p:spPr>
             <a:xfrm>
-              <a:off x="6228521" y="3563510"/>
+              <a:off x="6298859" y="4590451"/>
               <a:ext cx="556590" cy="0"/>
             </a:xfrm>
             <a:prstGeom prst="line">
